--- a/Vendor_Boards/Microchip_PICDEM 2 plus_board_2010/tutorials/GCBASIC_Part18_ASMs.pptx
+++ b/Vendor_Boards/Microchip_PICDEM 2 plus_board_2010/tutorials/GCBASIC_Part18_ASMs.pptx
@@ -206,7 +206,7 @@
             <a:fld id="{742E545A-AB39-44F0-B5A6-04A90C6C9399}" type="datetimeFigureOut">
               <a:rPr lang="en-GB" smtClean="0"/>
               <a:pPr/>
-              <a:t>28/01/2025</a:t>
+              <a:t>29/01/2025</a:t>
             </a:fld>
             <a:endParaRPr lang="en-GB" dirty="0"/>
           </a:p>
@@ -373,7 +373,7 @@
             <a:fld id="{FF100B3C-2E11-428B-8555-A77018253716}" type="datetimeFigureOut">
               <a:rPr lang="en-GB" smtClean="0"/>
               <a:pPr/>
-              <a:t>28/01/2025</a:t>
+              <a:t>29/01/2025</a:t>
             </a:fld>
             <a:endParaRPr lang="en-GB" dirty="0"/>
           </a:p>
@@ -666,7 +666,7 @@
           <p:cNvPr id="7" name="Rectangle 6">
             <a:extLst>
               <a:ext uri="{FF2B5EF4-FFF2-40B4-BE49-F238E27FC236}">
-                <a16:creationId xmlns:a16="http://schemas.microsoft.com/office/drawing/2014/main" xmlns="" id="{9C757326-0232-4CDF-81FF-302CA676961B}"/>
+                <a16:creationId xmlns="" xmlns:a16="http://schemas.microsoft.com/office/drawing/2014/main" id="{9C757326-0232-4CDF-81FF-302CA676961B}"/>
               </a:ext>
             </a:extLst>
           </p:cNvPr>
@@ -718,7 +718,7 @@
           <p:cNvPr id="8" name="Picture 7">
             <a:extLst>
               <a:ext uri="{FF2B5EF4-FFF2-40B4-BE49-F238E27FC236}">
-                <a16:creationId xmlns:a16="http://schemas.microsoft.com/office/drawing/2014/main" xmlns="" id="{4987E008-68E6-4A43-85BC-1A6ACDF91DE1}"/>
+                <a16:creationId xmlns="" xmlns:a16="http://schemas.microsoft.com/office/drawing/2014/main" id="{4987E008-68E6-4A43-85BC-1A6ACDF91DE1}"/>
               </a:ext>
             </a:extLst>
           </p:cNvPr>
@@ -747,7 +747,7 @@
           <p:cNvPr id="11" name="Picture 10">
             <a:extLst>
               <a:ext uri="{FF2B5EF4-FFF2-40B4-BE49-F238E27FC236}">
-                <a16:creationId xmlns:a16="http://schemas.microsoft.com/office/drawing/2014/main" xmlns="" id="{A1F8C892-C868-4DF6-91AB-B18CE632B10F}"/>
+                <a16:creationId xmlns="" xmlns:a16="http://schemas.microsoft.com/office/drawing/2014/main" id="{A1F8C892-C868-4DF6-91AB-B18CE632B10F}"/>
               </a:ext>
             </a:extLst>
           </p:cNvPr>
@@ -933,7 +933,7 @@
           <p:cNvPr id="12" name="Text Placeholder 2">
             <a:extLst>
               <a:ext uri="{FF2B5EF4-FFF2-40B4-BE49-F238E27FC236}">
-                <a16:creationId xmlns:a16="http://schemas.microsoft.com/office/drawing/2014/main" xmlns="" id="{D547E580-E6D6-4D97-BB04-05795A830147}"/>
+                <a16:creationId xmlns="" xmlns:a16="http://schemas.microsoft.com/office/drawing/2014/main" id="{D547E580-E6D6-4D97-BB04-05795A830147}"/>
               </a:ext>
             </a:extLst>
           </p:cNvPr>
@@ -1086,7 +1086,7 @@
           <p:cNvPr id="9" name="Picture 8">
             <a:extLst>
               <a:ext uri="{FF2B5EF4-FFF2-40B4-BE49-F238E27FC236}">
-                <a16:creationId xmlns:a16="http://schemas.microsoft.com/office/drawing/2014/main" xmlns="" id="{7CE2C968-D10A-4226-8FDC-CBC4C7EDD0B7}"/>
+                <a16:creationId xmlns="" xmlns:a16="http://schemas.microsoft.com/office/drawing/2014/main" id="{7CE2C968-D10A-4226-8FDC-CBC4C7EDD0B7}"/>
               </a:ext>
             </a:extLst>
           </p:cNvPr>
@@ -1288,7 +1288,7 @@
             <a:fld id="{C473AACB-D821-4991-9D88-46EB8D29E619}" type="datetimeFigureOut">
               <a:rPr lang="en-GB" smtClean="0"/>
               <a:pPr/>
-              <a:t>28/01/2025</a:t>
+              <a:t>29/01/2025</a:t>
             </a:fld>
             <a:endParaRPr lang="en-GB" dirty="0"/>
           </a:p>
@@ -1372,7 +1372,7 @@
           <p:cNvPr id="9" name="Picture 8">
             <a:extLst>
               <a:ext uri="{FF2B5EF4-FFF2-40B4-BE49-F238E27FC236}">
-                <a16:creationId xmlns:a16="http://schemas.microsoft.com/office/drawing/2014/main" xmlns="" id="{6AB5D66D-00C1-40EA-BFC8-305566F10369}"/>
+                <a16:creationId xmlns="" xmlns:a16="http://schemas.microsoft.com/office/drawing/2014/main" id="{6AB5D66D-00C1-40EA-BFC8-305566F10369}"/>
               </a:ext>
             </a:extLst>
           </p:cNvPr>
@@ -1582,7 +1582,7 @@
             <a:fld id="{C473AACB-D821-4991-9D88-46EB8D29E619}" type="datetimeFigureOut">
               <a:rPr lang="en-GB" smtClean="0"/>
               <a:pPr/>
-              <a:t>28/01/2025</a:t>
+              <a:t>29/01/2025</a:t>
             </a:fld>
             <a:endParaRPr lang="en-GB" dirty="0"/>
           </a:p>
@@ -1835,7 +1835,7 @@
             <a:fld id="{C473AACB-D821-4991-9D88-46EB8D29E619}" type="datetimeFigureOut">
               <a:rPr lang="en-GB" smtClean="0"/>
               <a:pPr/>
-              <a:t>28/01/2025</a:t>
+              <a:t>29/01/2025</a:t>
             </a:fld>
             <a:endParaRPr lang="en-GB" dirty="0"/>
           </a:p>
@@ -1889,7 +1889,7 @@
           <p:cNvPr id="8" name="Picture 7">
             <a:extLst>
               <a:ext uri="{FF2B5EF4-FFF2-40B4-BE49-F238E27FC236}">
-                <a16:creationId xmlns:a16="http://schemas.microsoft.com/office/drawing/2014/main" xmlns="" id="{AD4D4CB4-D965-4BB6-B218-086244C13BAE}"/>
+                <a16:creationId xmlns="" xmlns:a16="http://schemas.microsoft.com/office/drawing/2014/main" id="{AD4D4CB4-D965-4BB6-B218-086244C13BAE}"/>
               </a:ext>
             </a:extLst>
           </p:cNvPr>
@@ -2180,7 +2180,7 @@
             <a:fld id="{C473AACB-D821-4991-9D88-46EB8D29E619}" type="datetimeFigureOut">
               <a:rPr lang="en-GB" smtClean="0"/>
               <a:pPr/>
-              <a:t>28/01/2025</a:t>
+              <a:t>29/01/2025</a:t>
             </a:fld>
             <a:endParaRPr lang="en-GB" dirty="0"/>
           </a:p>
@@ -2324,7 +2324,7 @@
           <p:cNvPr id="11" name="Picture 10">
             <a:extLst>
               <a:ext uri="{FF2B5EF4-FFF2-40B4-BE49-F238E27FC236}">
-                <a16:creationId xmlns:a16="http://schemas.microsoft.com/office/drawing/2014/main" xmlns="" id="{A3B58C4E-0EF0-466C-9740-EC9F485CBD03}"/>
+                <a16:creationId xmlns="" xmlns:a16="http://schemas.microsoft.com/office/drawing/2014/main" id="{A3B58C4E-0EF0-466C-9740-EC9F485CBD03}"/>
               </a:ext>
             </a:extLst>
           </p:cNvPr>
@@ -2552,7 +2552,7 @@
             <a:fld id="{C473AACB-D821-4991-9D88-46EB8D29E619}" type="datetimeFigureOut">
               <a:rPr lang="en-GB" smtClean="0"/>
               <a:pPr/>
-              <a:t>28/01/2025</a:t>
+              <a:t>29/01/2025</a:t>
             </a:fld>
             <a:endParaRPr lang="en-GB" dirty="0"/>
           </a:p>
@@ -2606,7 +2606,7 @@
           <p:cNvPr id="7" name="Picture 6">
             <a:extLst>
               <a:ext uri="{FF2B5EF4-FFF2-40B4-BE49-F238E27FC236}">
-                <a16:creationId xmlns:a16="http://schemas.microsoft.com/office/drawing/2014/main" xmlns="" id="{2D0B9223-1250-44AA-A6C3-F2013B85AEF3}"/>
+                <a16:creationId xmlns="" xmlns:a16="http://schemas.microsoft.com/office/drawing/2014/main" id="{2D0B9223-1250-44AA-A6C3-F2013B85AEF3}"/>
               </a:ext>
             </a:extLst>
           </p:cNvPr>
@@ -2898,7 +2898,7 @@
             <a:fld id="{C473AACB-D821-4991-9D88-46EB8D29E619}" type="datetimeFigureOut">
               <a:rPr lang="en-GB" smtClean="0"/>
               <a:pPr/>
-              <a:t>28/01/2025</a:t>
+              <a:t>29/01/2025</a:t>
             </a:fld>
             <a:endParaRPr lang="en-GB" dirty="0"/>
           </a:p>
@@ -3034,7 +3034,7 @@
           <p:cNvPr id="11" name="Picture 10">
             <a:extLst>
               <a:ext uri="{FF2B5EF4-FFF2-40B4-BE49-F238E27FC236}">
-                <a16:creationId xmlns:a16="http://schemas.microsoft.com/office/drawing/2014/main" xmlns="" id="{D49E1C7C-7E53-49A2-B2C9-52307876DB7E}"/>
+                <a16:creationId xmlns="" xmlns:a16="http://schemas.microsoft.com/office/drawing/2014/main" id="{D49E1C7C-7E53-49A2-B2C9-52307876DB7E}"/>
               </a:ext>
             </a:extLst>
           </p:cNvPr>
@@ -3322,7 +3322,7 @@
             <a:fld id="{C473AACB-D821-4991-9D88-46EB8D29E619}" type="datetimeFigureOut">
               <a:rPr lang="en-GB" smtClean="0"/>
               <a:pPr/>
-              <a:t>28/01/2025</a:t>
+              <a:t>29/01/2025</a:t>
             </a:fld>
             <a:endParaRPr lang="en-GB" dirty="0"/>
           </a:p>
@@ -3376,7 +3376,7 @@
           <p:cNvPr id="9" name="Picture 8">
             <a:extLst>
               <a:ext uri="{FF2B5EF4-FFF2-40B4-BE49-F238E27FC236}">
-                <a16:creationId xmlns:a16="http://schemas.microsoft.com/office/drawing/2014/main" xmlns="" id="{23082AB0-2BB5-46FE-9A17-15E1ACC06965}"/>
+                <a16:creationId xmlns="" xmlns:a16="http://schemas.microsoft.com/office/drawing/2014/main" id="{23082AB0-2BB5-46FE-9A17-15E1ACC06965}"/>
               </a:ext>
             </a:extLst>
           </p:cNvPr>
@@ -3435,7 +3435,7 @@
           <p:cNvPr id="8" name="Picture 7">
             <a:extLst>
               <a:ext uri="{FF2B5EF4-FFF2-40B4-BE49-F238E27FC236}">
-                <a16:creationId xmlns:a16="http://schemas.microsoft.com/office/drawing/2014/main" xmlns="" id="{1862E859-E5AF-4D76-9FC9-2355B24FF141}"/>
+                <a16:creationId xmlns="" xmlns:a16="http://schemas.microsoft.com/office/drawing/2014/main" id="{1862E859-E5AF-4D76-9FC9-2355B24FF141}"/>
               </a:ext>
             </a:extLst>
           </p:cNvPr>
@@ -3557,7 +3557,7 @@
             <a:fld id="{C473AACB-D821-4991-9D88-46EB8D29E619}" type="datetimeFigureOut">
               <a:rPr lang="en-GB" smtClean="0"/>
               <a:pPr/>
-              <a:t>28/01/2025</a:t>
+              <a:t>29/01/2025</a:t>
             </a:fld>
             <a:endParaRPr lang="en-GB" dirty="0"/>
           </a:p>
@@ -3641,7 +3641,7 @@
           <p:cNvPr id="8" name="Picture 7">
             <a:extLst>
               <a:ext uri="{FF2B5EF4-FFF2-40B4-BE49-F238E27FC236}">
-                <a16:creationId xmlns:a16="http://schemas.microsoft.com/office/drawing/2014/main" xmlns="" id="{91908D0E-7544-4687-965B-72EF64AA4C54}"/>
+                <a16:creationId xmlns="" xmlns:a16="http://schemas.microsoft.com/office/drawing/2014/main" id="{91908D0E-7544-4687-965B-72EF64AA4C54}"/>
               </a:ext>
             </a:extLst>
           </p:cNvPr>
@@ -3768,7 +3768,7 @@
             <a:fld id="{C473AACB-D821-4991-9D88-46EB8D29E619}" type="datetimeFigureOut">
               <a:rPr lang="en-GB" smtClean="0"/>
               <a:pPr/>
-              <a:t>28/01/2025</a:t>
+              <a:t>29/01/2025</a:t>
             </a:fld>
             <a:endParaRPr lang="en-GB" dirty="0"/>
           </a:p>
@@ -3852,7 +3852,7 @@
           <p:cNvPr id="8" name="Picture 7">
             <a:extLst>
               <a:ext uri="{FF2B5EF4-FFF2-40B4-BE49-F238E27FC236}">
-                <a16:creationId xmlns:a16="http://schemas.microsoft.com/office/drawing/2014/main" xmlns="" id="{5B5B8CA2-02D4-408C-B548-182D4F5F54B2}"/>
+                <a16:creationId xmlns="" xmlns:a16="http://schemas.microsoft.com/office/drawing/2014/main" id="{5B5B8CA2-02D4-408C-B548-182D4F5F54B2}"/>
               </a:ext>
             </a:extLst>
           </p:cNvPr>
@@ -3986,7 +3986,7 @@
             <a:fld id="{C473AACB-D821-4991-9D88-46EB8D29E619}" type="datetimeFigureOut">
               <a:rPr lang="en-GB" smtClean="0"/>
               <a:pPr/>
-              <a:t>28/01/2025</a:t>
+              <a:t>29/01/2025</a:t>
             </a:fld>
             <a:endParaRPr lang="en-GB" dirty="0"/>
           </a:p>
@@ -4070,7 +4070,7 @@
           <p:cNvPr id="11" name="Picture 10">
             <a:extLst>
               <a:ext uri="{FF2B5EF4-FFF2-40B4-BE49-F238E27FC236}">
-                <a16:creationId xmlns:a16="http://schemas.microsoft.com/office/drawing/2014/main" xmlns="" id="{EA8DB33B-8BF9-4C99-B31C-55246227EFDE}"/>
+                <a16:creationId xmlns="" xmlns:a16="http://schemas.microsoft.com/office/drawing/2014/main" id="{EA8DB33B-8BF9-4C99-B31C-55246227EFDE}"/>
               </a:ext>
             </a:extLst>
           </p:cNvPr>
@@ -4801,7 +4801,7 @@
             <a:fld id="{C473AACB-D821-4991-9D88-46EB8D29E619}" type="datetimeFigureOut">
               <a:rPr lang="en-GB" smtClean="0"/>
               <a:pPr/>
-              <a:t>28/01/2025</a:t>
+              <a:t>29/01/2025</a:t>
             </a:fld>
             <a:endParaRPr lang="en-GB" dirty="0"/>
           </a:p>
@@ -4885,7 +4885,7 @@
           <p:cNvPr id="11" name="Picture 10">
             <a:extLst>
               <a:ext uri="{FF2B5EF4-FFF2-40B4-BE49-F238E27FC236}">
-                <a16:creationId xmlns:a16="http://schemas.microsoft.com/office/drawing/2014/main" xmlns="" id="{EA8DB33B-8BF9-4C99-B31C-55246227EFDE}"/>
+                <a16:creationId xmlns="" xmlns:a16="http://schemas.microsoft.com/office/drawing/2014/main" id="{EA8DB33B-8BF9-4C99-B31C-55246227EFDE}"/>
               </a:ext>
             </a:extLst>
           </p:cNvPr>
@@ -5615,7 +5615,7 @@
             <a:fld id="{C473AACB-D821-4991-9D88-46EB8D29E619}" type="datetimeFigureOut">
               <a:rPr lang="en-GB" smtClean="0"/>
               <a:pPr/>
-              <a:t>28/01/2025</a:t>
+              <a:t>29/01/2025</a:t>
             </a:fld>
             <a:endParaRPr lang="en-GB" dirty="0"/>
           </a:p>
@@ -5864,7 +5864,7 @@
             <a:fld id="{C473AACB-D821-4991-9D88-46EB8D29E619}" type="datetimeFigureOut">
               <a:rPr lang="en-GB" smtClean="0"/>
               <a:pPr/>
-              <a:t>28/01/2025</a:t>
+              <a:t>29/01/2025</a:t>
             </a:fld>
             <a:endParaRPr lang="en-GB" dirty="0"/>
           </a:p>
@@ -5918,7 +5918,7 @@
           <p:cNvPr id="7" name="Picture 6">
             <a:extLst>
               <a:ext uri="{FF2B5EF4-FFF2-40B4-BE49-F238E27FC236}">
-                <a16:creationId xmlns:a16="http://schemas.microsoft.com/office/drawing/2014/main" xmlns="" id="{6331EFED-43C1-4CBA-8BE3-308E3AA13B9B}"/>
+                <a16:creationId xmlns="" xmlns:a16="http://schemas.microsoft.com/office/drawing/2014/main" id="{6331EFED-43C1-4CBA-8BE3-308E3AA13B9B}"/>
               </a:ext>
             </a:extLst>
           </p:cNvPr>
@@ -6128,7 +6128,7 @@
             <a:fld id="{C473AACB-D821-4991-9D88-46EB8D29E619}" type="datetimeFigureOut">
               <a:rPr lang="en-GB" smtClean="0"/>
               <a:pPr/>
-              <a:t>28/01/2025</a:t>
+              <a:t>29/01/2025</a:t>
             </a:fld>
             <a:endParaRPr lang="en-GB" dirty="0"/>
           </a:p>
@@ -6182,7 +6182,7 @@
           <p:cNvPr id="9" name="Picture 8">
             <a:extLst>
               <a:ext uri="{FF2B5EF4-FFF2-40B4-BE49-F238E27FC236}">
-                <a16:creationId xmlns:a16="http://schemas.microsoft.com/office/drawing/2014/main" xmlns="" id="{1034EA63-4BE3-4A73-A7E6-4A75BE4C1D48}"/>
+                <a16:creationId xmlns="" xmlns:a16="http://schemas.microsoft.com/office/drawing/2014/main" id="{1034EA63-4BE3-4A73-A7E6-4A75BE4C1D48}"/>
               </a:ext>
             </a:extLst>
           </p:cNvPr>
@@ -6241,7 +6241,7 @@
           <p:cNvPr id="10" name="Picture 9">
             <a:extLst>
               <a:ext uri="{FF2B5EF4-FFF2-40B4-BE49-F238E27FC236}">
-                <a16:creationId xmlns:a16="http://schemas.microsoft.com/office/drawing/2014/main" xmlns="" id="{204DC1E6-B5F4-4160-90F3-351FB3242E92}"/>
+                <a16:creationId xmlns="" xmlns:a16="http://schemas.microsoft.com/office/drawing/2014/main" id="{204DC1E6-B5F4-4160-90F3-351FB3242E92}"/>
               </a:ext>
             </a:extLst>
           </p:cNvPr>
@@ -6568,7 +6568,7 @@
             <a:fld id="{C473AACB-D821-4991-9D88-46EB8D29E619}" type="datetimeFigureOut">
               <a:rPr lang="en-GB" smtClean="0"/>
               <a:pPr/>
-              <a:t>28/01/2025</a:t>
+              <a:t>29/01/2025</a:t>
             </a:fld>
             <a:endParaRPr lang="en-GB" dirty="0"/>
           </a:p>
@@ -6652,7 +6652,7 @@
           <p:cNvPr id="6" name="Picture 5">
             <a:extLst>
               <a:ext uri="{FF2B5EF4-FFF2-40B4-BE49-F238E27FC236}">
-                <a16:creationId xmlns:a16="http://schemas.microsoft.com/office/drawing/2014/main" xmlns="" id="{E7897C67-3827-4595-8E3A-71E9F2EAB3AF}"/>
+                <a16:creationId xmlns="" xmlns:a16="http://schemas.microsoft.com/office/drawing/2014/main" id="{E7897C67-3827-4595-8E3A-71E9F2EAB3AF}"/>
               </a:ext>
             </a:extLst>
           </p:cNvPr>
@@ -6723,7 +6723,7 @@
             <a:fld id="{C473AACB-D821-4991-9D88-46EB8D29E619}" type="datetimeFigureOut">
               <a:rPr lang="en-GB" smtClean="0"/>
               <a:pPr/>
-              <a:t>28/01/2025</a:t>
+              <a:t>29/01/2025</a:t>
             </a:fld>
             <a:endParaRPr lang="en-GB" dirty="0"/>
           </a:p>
@@ -6820,7 +6820,7 @@
             <a:fld id="{C473AACB-D821-4991-9D88-46EB8D29E619}" type="datetimeFigureOut">
               <a:rPr lang="en-GB" smtClean="0"/>
               <a:pPr/>
-              <a:t>28/01/2025</a:t>
+              <a:t>29/01/2025</a:t>
             </a:fld>
             <a:endParaRPr lang="en-GB" dirty="0"/>
           </a:p>
@@ -6874,7 +6874,7 @@
           <p:cNvPr id="6" name="Picture 5">
             <a:extLst>
               <a:ext uri="{FF2B5EF4-FFF2-40B4-BE49-F238E27FC236}">
-                <a16:creationId xmlns:a16="http://schemas.microsoft.com/office/drawing/2014/main" xmlns="" id="{F1825398-026A-4668-BB48-C16AD1C9062B}"/>
+                <a16:creationId xmlns="" xmlns:a16="http://schemas.microsoft.com/office/drawing/2014/main" id="{F1825398-026A-4668-BB48-C16AD1C9062B}"/>
               </a:ext>
             </a:extLst>
           </p:cNvPr>
@@ -7597,7 +7597,7 @@
             <a:fld id="{C473AACB-D821-4991-9D88-46EB8D29E619}" type="datetimeFigureOut">
               <a:rPr lang="en-GB" smtClean="0"/>
               <a:pPr/>
-              <a:t>28/01/2025</a:t>
+              <a:t>29/01/2025</a:t>
             </a:fld>
             <a:endParaRPr lang="en-GB" dirty="0"/>
           </a:p>
@@ -8816,7 +8816,7 @@
         </p:nvSpPr>
         <p:spPr>
           <a:xfrm>
-            <a:off x="179513" y="2914650"/>
+            <a:off x="323528" y="2914650"/>
             <a:ext cx="6840759" cy="1925352"/>
           </a:xfrm>
         </p:spPr>
@@ -8836,17 +8836,18 @@
             <a:pPr marL="538163" indent="-538163"/>
             <a:r>
               <a:rPr lang="en-GB" dirty="0"/>
-              <a:t>Part 17 - The GCBASIC Tool Chain</a:t>
-            </a:r>
+              <a:t>Part 18 - Assembly , alternatives assemblers and </a:t>
+            </a:r>
+            <a:r>
+              <a:rPr lang="en-GB" dirty="0" smtClean="0"/>
+              <a:t>MPLAB-X</a:t>
+            </a:r>
+            <a:endParaRPr lang="en-GB" dirty="0"/>
           </a:p>
           <a:p>
             <a:r>
               <a:rPr lang="en-GB" sz="1700" dirty="0" smtClean="0"/>
-              <a:t>January </a:t>
-            </a:r>
-            <a:r>
-              <a:rPr lang="en-GB" sz="1700" dirty="0" smtClean="0"/>
-              <a:t>2025</a:t>
+              <a:t>January 2025</a:t>
             </a:r>
             <a:endParaRPr lang="en-GB" sz="1700" dirty="0"/>
           </a:p>
@@ -12027,7 +12028,15 @@
             </a:r>
             <a:r>
               <a:rPr lang="en-GB" sz="1000" dirty="0" smtClean="0"/>
-              <a:t>] Simulator  / Instruction Frequency to 64</a:t>
+              <a:t>] Simulator  / Instruction Frequency </a:t>
+            </a:r>
+            <a:r>
+              <a:rPr lang="en-GB" sz="1000" smtClean="0"/>
+              <a:t>to </a:t>
+            </a:r>
+            <a:r>
+              <a:rPr lang="en-GB" sz="1000" smtClean="0"/>
+              <a:t>32</a:t>
             </a:r>
           </a:p>
           <a:p>
@@ -12038,7 +12047,7 @@
               <a:buNone/>
             </a:pPr>
             <a:r>
-              <a:rPr lang="en-GB" sz="1000" dirty="0" smtClean="0"/>
+              <a:rPr lang="en-GB" sz="1000" smtClean="0"/>
               <a:t>Set  </a:t>
             </a:r>
             <a:r>
@@ -12489,7 +12498,7 @@
   <a:extraClrSchemeLst/>
   <a:extLst>
     <a:ext uri="{05A4C25C-085E-4340-85A3-A5531E510DB2}">
-      <thm15:themeFamily xmlns:thm15="http://schemas.microsoft.com/office/thememl/2012/main" xmlns="" name="GCstudioThemeLight" id="{4C740F94-33C0-4EEC-9234-F56C348A0987}" vid="{A43F8B96-90D8-489D-B80F-92F9D6F351CC}"/>
+      <thm15:themeFamily xmlns="" xmlns:thm15="http://schemas.microsoft.com/office/thememl/2012/main" name="GCstudioThemeLight" id="{4C740F94-33C0-4EEC-9234-F56C348A0987}" vid="{A43F8B96-90D8-489D-B80F-92F9D6F351CC}"/>
     </a:ext>
   </a:extLst>
 </a:theme>

--- a/Vendor_Boards/Microchip_PICDEM 2 plus_board_2010/tutorials/GCBASIC_Part18_ASMs.pptx
+++ b/Vendor_Boards/Microchip_PICDEM 2 plus_board_2010/tutorials/GCBASIC_Part18_ASMs.pptx
@@ -666,7 +666,7 @@
           <p:cNvPr id="7" name="Rectangle 6">
             <a:extLst>
               <a:ext uri="{FF2B5EF4-FFF2-40B4-BE49-F238E27FC236}">
-                <a16:creationId xmlns="" xmlns:a16="http://schemas.microsoft.com/office/drawing/2014/main" id="{9C757326-0232-4CDF-81FF-302CA676961B}"/>
+                <a16:creationId xmlns:a16="http://schemas.microsoft.com/office/drawing/2014/main" xmlns="" id="{9C757326-0232-4CDF-81FF-302CA676961B}"/>
               </a:ext>
             </a:extLst>
           </p:cNvPr>
@@ -718,7 +718,7 @@
           <p:cNvPr id="8" name="Picture 7">
             <a:extLst>
               <a:ext uri="{FF2B5EF4-FFF2-40B4-BE49-F238E27FC236}">
-                <a16:creationId xmlns="" xmlns:a16="http://schemas.microsoft.com/office/drawing/2014/main" id="{4987E008-68E6-4A43-85BC-1A6ACDF91DE1}"/>
+                <a16:creationId xmlns:a16="http://schemas.microsoft.com/office/drawing/2014/main" xmlns="" id="{4987E008-68E6-4A43-85BC-1A6ACDF91DE1}"/>
               </a:ext>
             </a:extLst>
           </p:cNvPr>
@@ -747,7 +747,7 @@
           <p:cNvPr id="11" name="Picture 10">
             <a:extLst>
               <a:ext uri="{FF2B5EF4-FFF2-40B4-BE49-F238E27FC236}">
-                <a16:creationId xmlns="" xmlns:a16="http://schemas.microsoft.com/office/drawing/2014/main" id="{A1F8C892-C868-4DF6-91AB-B18CE632B10F}"/>
+                <a16:creationId xmlns:a16="http://schemas.microsoft.com/office/drawing/2014/main" xmlns="" id="{A1F8C892-C868-4DF6-91AB-B18CE632B10F}"/>
               </a:ext>
             </a:extLst>
           </p:cNvPr>
@@ -933,7 +933,7 @@
           <p:cNvPr id="12" name="Text Placeholder 2">
             <a:extLst>
               <a:ext uri="{FF2B5EF4-FFF2-40B4-BE49-F238E27FC236}">
-                <a16:creationId xmlns="" xmlns:a16="http://schemas.microsoft.com/office/drawing/2014/main" id="{D547E580-E6D6-4D97-BB04-05795A830147}"/>
+                <a16:creationId xmlns:a16="http://schemas.microsoft.com/office/drawing/2014/main" xmlns="" id="{D547E580-E6D6-4D97-BB04-05795A830147}"/>
               </a:ext>
             </a:extLst>
           </p:cNvPr>
@@ -1086,7 +1086,7 @@
           <p:cNvPr id="9" name="Picture 8">
             <a:extLst>
               <a:ext uri="{FF2B5EF4-FFF2-40B4-BE49-F238E27FC236}">
-                <a16:creationId xmlns="" xmlns:a16="http://schemas.microsoft.com/office/drawing/2014/main" id="{7CE2C968-D10A-4226-8FDC-CBC4C7EDD0B7}"/>
+                <a16:creationId xmlns:a16="http://schemas.microsoft.com/office/drawing/2014/main" xmlns="" id="{7CE2C968-D10A-4226-8FDC-CBC4C7EDD0B7}"/>
               </a:ext>
             </a:extLst>
           </p:cNvPr>
@@ -1372,7 +1372,7 @@
           <p:cNvPr id="9" name="Picture 8">
             <a:extLst>
               <a:ext uri="{FF2B5EF4-FFF2-40B4-BE49-F238E27FC236}">
-                <a16:creationId xmlns="" xmlns:a16="http://schemas.microsoft.com/office/drawing/2014/main" id="{6AB5D66D-00C1-40EA-BFC8-305566F10369}"/>
+                <a16:creationId xmlns:a16="http://schemas.microsoft.com/office/drawing/2014/main" xmlns="" id="{6AB5D66D-00C1-40EA-BFC8-305566F10369}"/>
               </a:ext>
             </a:extLst>
           </p:cNvPr>
@@ -1889,7 +1889,7 @@
           <p:cNvPr id="8" name="Picture 7">
             <a:extLst>
               <a:ext uri="{FF2B5EF4-FFF2-40B4-BE49-F238E27FC236}">
-                <a16:creationId xmlns="" xmlns:a16="http://schemas.microsoft.com/office/drawing/2014/main" id="{AD4D4CB4-D965-4BB6-B218-086244C13BAE}"/>
+                <a16:creationId xmlns:a16="http://schemas.microsoft.com/office/drawing/2014/main" xmlns="" id="{AD4D4CB4-D965-4BB6-B218-086244C13BAE}"/>
               </a:ext>
             </a:extLst>
           </p:cNvPr>
@@ -2324,7 +2324,7 @@
           <p:cNvPr id="11" name="Picture 10">
             <a:extLst>
               <a:ext uri="{FF2B5EF4-FFF2-40B4-BE49-F238E27FC236}">
-                <a16:creationId xmlns="" xmlns:a16="http://schemas.microsoft.com/office/drawing/2014/main" id="{A3B58C4E-0EF0-466C-9740-EC9F485CBD03}"/>
+                <a16:creationId xmlns:a16="http://schemas.microsoft.com/office/drawing/2014/main" xmlns="" id="{A3B58C4E-0EF0-466C-9740-EC9F485CBD03}"/>
               </a:ext>
             </a:extLst>
           </p:cNvPr>
@@ -2606,7 +2606,7 @@
           <p:cNvPr id="7" name="Picture 6">
             <a:extLst>
               <a:ext uri="{FF2B5EF4-FFF2-40B4-BE49-F238E27FC236}">
-                <a16:creationId xmlns="" xmlns:a16="http://schemas.microsoft.com/office/drawing/2014/main" id="{2D0B9223-1250-44AA-A6C3-F2013B85AEF3}"/>
+                <a16:creationId xmlns:a16="http://schemas.microsoft.com/office/drawing/2014/main" xmlns="" id="{2D0B9223-1250-44AA-A6C3-F2013B85AEF3}"/>
               </a:ext>
             </a:extLst>
           </p:cNvPr>
@@ -3034,7 +3034,7 @@
           <p:cNvPr id="11" name="Picture 10">
             <a:extLst>
               <a:ext uri="{FF2B5EF4-FFF2-40B4-BE49-F238E27FC236}">
-                <a16:creationId xmlns="" xmlns:a16="http://schemas.microsoft.com/office/drawing/2014/main" id="{D49E1C7C-7E53-49A2-B2C9-52307876DB7E}"/>
+                <a16:creationId xmlns:a16="http://schemas.microsoft.com/office/drawing/2014/main" xmlns="" id="{D49E1C7C-7E53-49A2-B2C9-52307876DB7E}"/>
               </a:ext>
             </a:extLst>
           </p:cNvPr>
@@ -3376,7 +3376,7 @@
           <p:cNvPr id="9" name="Picture 8">
             <a:extLst>
               <a:ext uri="{FF2B5EF4-FFF2-40B4-BE49-F238E27FC236}">
-                <a16:creationId xmlns="" xmlns:a16="http://schemas.microsoft.com/office/drawing/2014/main" id="{23082AB0-2BB5-46FE-9A17-15E1ACC06965}"/>
+                <a16:creationId xmlns:a16="http://schemas.microsoft.com/office/drawing/2014/main" xmlns="" id="{23082AB0-2BB5-46FE-9A17-15E1ACC06965}"/>
               </a:ext>
             </a:extLst>
           </p:cNvPr>
@@ -3435,7 +3435,7 @@
           <p:cNvPr id="8" name="Picture 7">
             <a:extLst>
               <a:ext uri="{FF2B5EF4-FFF2-40B4-BE49-F238E27FC236}">
-                <a16:creationId xmlns="" xmlns:a16="http://schemas.microsoft.com/office/drawing/2014/main" id="{1862E859-E5AF-4D76-9FC9-2355B24FF141}"/>
+                <a16:creationId xmlns:a16="http://schemas.microsoft.com/office/drawing/2014/main" xmlns="" id="{1862E859-E5AF-4D76-9FC9-2355B24FF141}"/>
               </a:ext>
             </a:extLst>
           </p:cNvPr>
@@ -3641,7 +3641,7 @@
           <p:cNvPr id="8" name="Picture 7">
             <a:extLst>
               <a:ext uri="{FF2B5EF4-FFF2-40B4-BE49-F238E27FC236}">
-                <a16:creationId xmlns="" xmlns:a16="http://schemas.microsoft.com/office/drawing/2014/main" id="{91908D0E-7544-4687-965B-72EF64AA4C54}"/>
+                <a16:creationId xmlns:a16="http://schemas.microsoft.com/office/drawing/2014/main" xmlns="" id="{91908D0E-7544-4687-965B-72EF64AA4C54}"/>
               </a:ext>
             </a:extLst>
           </p:cNvPr>
@@ -3852,7 +3852,7 @@
           <p:cNvPr id="8" name="Picture 7">
             <a:extLst>
               <a:ext uri="{FF2B5EF4-FFF2-40B4-BE49-F238E27FC236}">
-                <a16:creationId xmlns="" xmlns:a16="http://schemas.microsoft.com/office/drawing/2014/main" id="{5B5B8CA2-02D4-408C-B548-182D4F5F54B2}"/>
+                <a16:creationId xmlns:a16="http://schemas.microsoft.com/office/drawing/2014/main" xmlns="" id="{5B5B8CA2-02D4-408C-B548-182D4F5F54B2}"/>
               </a:ext>
             </a:extLst>
           </p:cNvPr>
@@ -4070,7 +4070,7 @@
           <p:cNvPr id="11" name="Picture 10">
             <a:extLst>
               <a:ext uri="{FF2B5EF4-FFF2-40B4-BE49-F238E27FC236}">
-                <a16:creationId xmlns="" xmlns:a16="http://schemas.microsoft.com/office/drawing/2014/main" id="{EA8DB33B-8BF9-4C99-B31C-55246227EFDE}"/>
+                <a16:creationId xmlns:a16="http://schemas.microsoft.com/office/drawing/2014/main" xmlns="" id="{EA8DB33B-8BF9-4C99-B31C-55246227EFDE}"/>
               </a:ext>
             </a:extLst>
           </p:cNvPr>
@@ -4885,7 +4885,7 @@
           <p:cNvPr id="11" name="Picture 10">
             <a:extLst>
               <a:ext uri="{FF2B5EF4-FFF2-40B4-BE49-F238E27FC236}">
-                <a16:creationId xmlns="" xmlns:a16="http://schemas.microsoft.com/office/drawing/2014/main" id="{EA8DB33B-8BF9-4C99-B31C-55246227EFDE}"/>
+                <a16:creationId xmlns:a16="http://schemas.microsoft.com/office/drawing/2014/main" xmlns="" id="{EA8DB33B-8BF9-4C99-B31C-55246227EFDE}"/>
               </a:ext>
             </a:extLst>
           </p:cNvPr>
@@ -5918,7 +5918,7 @@
           <p:cNvPr id="7" name="Picture 6">
             <a:extLst>
               <a:ext uri="{FF2B5EF4-FFF2-40B4-BE49-F238E27FC236}">
-                <a16:creationId xmlns="" xmlns:a16="http://schemas.microsoft.com/office/drawing/2014/main" id="{6331EFED-43C1-4CBA-8BE3-308E3AA13B9B}"/>
+                <a16:creationId xmlns:a16="http://schemas.microsoft.com/office/drawing/2014/main" xmlns="" id="{6331EFED-43C1-4CBA-8BE3-308E3AA13B9B}"/>
               </a:ext>
             </a:extLst>
           </p:cNvPr>
@@ -6182,7 +6182,7 @@
           <p:cNvPr id="9" name="Picture 8">
             <a:extLst>
               <a:ext uri="{FF2B5EF4-FFF2-40B4-BE49-F238E27FC236}">
-                <a16:creationId xmlns="" xmlns:a16="http://schemas.microsoft.com/office/drawing/2014/main" id="{1034EA63-4BE3-4A73-A7E6-4A75BE4C1D48}"/>
+                <a16:creationId xmlns:a16="http://schemas.microsoft.com/office/drawing/2014/main" xmlns="" id="{1034EA63-4BE3-4A73-A7E6-4A75BE4C1D48}"/>
               </a:ext>
             </a:extLst>
           </p:cNvPr>
@@ -6241,7 +6241,7 @@
           <p:cNvPr id="10" name="Picture 9">
             <a:extLst>
               <a:ext uri="{FF2B5EF4-FFF2-40B4-BE49-F238E27FC236}">
-                <a16:creationId xmlns="" xmlns:a16="http://schemas.microsoft.com/office/drawing/2014/main" id="{204DC1E6-B5F4-4160-90F3-351FB3242E92}"/>
+                <a16:creationId xmlns:a16="http://schemas.microsoft.com/office/drawing/2014/main" xmlns="" id="{204DC1E6-B5F4-4160-90F3-351FB3242E92}"/>
               </a:ext>
             </a:extLst>
           </p:cNvPr>
@@ -6652,7 +6652,7 @@
           <p:cNvPr id="6" name="Picture 5">
             <a:extLst>
               <a:ext uri="{FF2B5EF4-FFF2-40B4-BE49-F238E27FC236}">
-                <a16:creationId xmlns="" xmlns:a16="http://schemas.microsoft.com/office/drawing/2014/main" id="{E7897C67-3827-4595-8E3A-71E9F2EAB3AF}"/>
+                <a16:creationId xmlns:a16="http://schemas.microsoft.com/office/drawing/2014/main" xmlns="" id="{E7897C67-3827-4595-8E3A-71E9F2EAB3AF}"/>
               </a:ext>
             </a:extLst>
           </p:cNvPr>
@@ -6874,7 +6874,7 @@
           <p:cNvPr id="6" name="Picture 5">
             <a:extLst>
               <a:ext uri="{FF2B5EF4-FFF2-40B4-BE49-F238E27FC236}">
-                <a16:creationId xmlns="" xmlns:a16="http://schemas.microsoft.com/office/drawing/2014/main" id="{F1825398-026A-4668-BB48-C16AD1C9062B}"/>
+                <a16:creationId xmlns:a16="http://schemas.microsoft.com/office/drawing/2014/main" xmlns="" id="{F1825398-026A-4668-BB48-C16AD1C9062B}"/>
               </a:ext>
             </a:extLst>
           </p:cNvPr>
@@ -12032,11 +12032,7 @@
             </a:r>
             <a:r>
               <a:rPr lang="en-GB" sz="1000" smtClean="0"/>
-              <a:t>to </a:t>
-            </a:r>
-            <a:r>
-              <a:rPr lang="en-GB" sz="1000" smtClean="0"/>
-              <a:t>32</a:t>
+              <a:t>to 32</a:t>
             </a:r>
           </a:p>
           <a:p>
@@ -12498,7 +12494,7 @@
   <a:extraClrSchemeLst/>
   <a:extLst>
     <a:ext uri="{05A4C25C-085E-4340-85A3-A5531E510DB2}">
-      <thm15:themeFamily xmlns="" xmlns:thm15="http://schemas.microsoft.com/office/thememl/2012/main" name="GCstudioThemeLight" id="{4C740F94-33C0-4EEC-9234-F56C348A0987}" vid="{A43F8B96-90D8-489D-B80F-92F9D6F351CC}"/>
+      <thm15:themeFamily xmlns:thm15="http://schemas.microsoft.com/office/thememl/2012/main" xmlns="" name="GCstudioThemeLight" id="{4C740F94-33C0-4EEC-9234-F56C348A0987}" vid="{A43F8B96-90D8-489D-B80F-92F9D6F351CC}"/>
     </a:ext>
   </a:extLst>
 </a:theme>
